--- a/demo/9_21報告.pptx
+++ b/demo/9_21報告.pptx
@@ -5,7 +5,7 @@
     <p:sldMasterId id="2147483659" r:id="rId1"/>
   </p:sldMasterIdLst>
   <p:notesMasterIdLst>
-    <p:notesMasterId r:id="rId12"/>
+    <p:notesMasterId r:id="rId14"/>
   </p:notesMasterIdLst>
   <p:sldIdLst>
     <p:sldId id="256" r:id="rId2"/>
@@ -18,28 +18,30 @@
     <p:sldId id="264" r:id="rId9"/>
     <p:sldId id="265" r:id="rId10"/>
     <p:sldId id="273" r:id="rId11"/>
+    <p:sldId id="274" r:id="rId12"/>
+    <p:sldId id="275" r:id="rId13"/>
   </p:sldIdLst>
   <p:sldSz cx="9144000" cy="5143500" type="screen16x9"/>
   <p:notesSz cx="6858000" cy="9144000"/>
   <p:embeddedFontLst>
     <p:embeddedFont>
-      <p:font typeface="Montserrat" charset="0"/>
-      <p:regular r:id="rId13"/>
-      <p:bold r:id="rId14"/>
-      <p:italic r:id="rId15"/>
-      <p:boldItalic r:id="rId16"/>
+      <p:font typeface="微軟正黑體" pitchFamily="34" charset="-120"/>
+      <p:regular r:id="rId15"/>
+      <p:bold r:id="rId16"/>
     </p:embeddedFont>
     <p:embeddedFont>
-      <p:font typeface="Lato" charset="0"/>
+      <p:font typeface="Montserrat" charset="0"/>
       <p:regular r:id="rId17"/>
       <p:bold r:id="rId18"/>
       <p:italic r:id="rId19"/>
       <p:boldItalic r:id="rId20"/>
     </p:embeddedFont>
     <p:embeddedFont>
-      <p:font typeface="微軟正黑體" pitchFamily="34" charset="-120"/>
+      <p:font typeface="Lato" charset="0"/>
       <p:regular r:id="rId21"/>
       <p:bold r:id="rId22"/>
+      <p:italic r:id="rId23"/>
+      <p:boldItalic r:id="rId24"/>
     </p:embeddedFont>
   </p:embeddedFontLst>
   <p:defaultTextStyle>
@@ -836,6 +838,224 @@
 </file>
 
 <file path=ppt/notesSlides/notesSlide10.xml><?xml version="1.0" encoding="utf-8"?>
+<p:notes xmlns:a="http://schemas.openxmlformats.org/drawingml/2006/main" xmlns:r="http://schemas.openxmlformats.org/officeDocument/2006/relationships" xmlns:p="http://schemas.openxmlformats.org/presentationml/2006/main" showMasterSp="0" showMasterPhAnim="0">
+  <p:cSld>
+    <p:spTree>
+      <p:nvGrpSpPr>
+        <p:cNvPr id="1" name="Shape 150"/>
+        <p:cNvGrpSpPr/>
+        <p:nvPr/>
+      </p:nvGrpSpPr>
+      <p:grpSpPr>
+        <a:xfrm>
+          <a:off x="0" y="0"/>
+          <a:ext cx="0" cy="0"/>
+          <a:chOff x="0" y="0"/>
+          <a:chExt cx="0" cy="0"/>
+        </a:xfrm>
+      </p:grpSpPr>
+      <p:sp>
+        <p:nvSpPr>
+          <p:cNvPr id="151" name="Google Shape;151;g281a2c4a295_0_219:notes"/>
+          <p:cNvSpPr>
+            <a:spLocks noGrp="1" noRot="1" noChangeAspect="1"/>
+          </p:cNvSpPr>
+          <p:nvPr>
+            <p:ph type="sldImg" idx="2"/>
+          </p:nvPr>
+        </p:nvSpPr>
+        <p:spPr>
+          <a:xfrm>
+            <a:off x="381000" y="685800"/>
+            <a:ext cx="6096000" cy="3429000"/>
+          </a:xfrm>
+          <a:custGeom>
+            <a:avLst/>
+            <a:gdLst/>
+            <a:ahLst/>
+            <a:cxnLst/>
+            <a:rect l="l" t="t" r="r" b="b"/>
+            <a:pathLst>
+              <a:path w="120000" h="120000" extrusionOk="0">
+                <a:moveTo>
+                  <a:pt x="0" y="0"/>
+                </a:moveTo>
+                <a:lnTo>
+                  <a:pt x="120000" y="0"/>
+                </a:lnTo>
+                <a:lnTo>
+                  <a:pt x="120000" y="120000"/>
+                </a:lnTo>
+                <a:lnTo>
+                  <a:pt x="0" y="120000"/>
+                </a:lnTo>
+                <a:close/>
+              </a:path>
+            </a:pathLst>
+          </a:custGeom>
+        </p:spPr>
+      </p:sp>
+      <p:sp>
+        <p:nvSpPr>
+          <p:cNvPr id="152" name="Google Shape;152;g281a2c4a295_0_219:notes"/>
+          <p:cNvSpPr txBox="1">
+            <a:spLocks noGrp="1"/>
+          </p:cNvSpPr>
+          <p:nvPr>
+            <p:ph type="body" idx="1"/>
+          </p:nvPr>
+        </p:nvSpPr>
+        <p:spPr>
+          <a:xfrm>
+            <a:off x="685800" y="4343400"/>
+            <a:ext cx="5486400" cy="4114800"/>
+          </a:xfrm>
+          <a:prstGeom prst="rect">
+            <a:avLst/>
+          </a:prstGeom>
+        </p:spPr>
+        <p:txBody>
+          <a:bodyPr spcFirstLastPara="1" wrap="square" lIns="91425" tIns="91425" rIns="91425" bIns="91425" anchor="t" anchorCtr="0">
+            <a:noAutofit/>
+          </a:bodyPr>
+          <a:lstStyle/>
+          <a:p>
+            <a:pPr marL="0" lvl="0" indent="0" algn="l" rtl="0">
+              <a:spcBef>
+                <a:spcPts val="0"/>
+              </a:spcBef>
+              <a:spcAft>
+                <a:spcPts val="0"/>
+              </a:spcAft>
+              <a:buNone/>
+            </a:pPr>
+            <a:endParaRPr dirty="0"/>
+          </a:p>
+        </p:txBody>
+      </p:sp>
+    </p:spTree>
+    <p:extLst>
+      <p:ext uri="{BB962C8B-B14F-4D97-AF65-F5344CB8AC3E}">
+        <p14:creationId xmlns:p14="http://schemas.microsoft.com/office/powerpoint/2010/main" xmlns="" val="388049102"/>
+      </p:ext>
+    </p:extLst>
+  </p:cSld>
+  <p:clrMapOvr>
+    <a:masterClrMapping/>
+  </p:clrMapOvr>
+</p:notes>
+</file>
+
+<file path=ppt/notesSlides/notesSlide11.xml><?xml version="1.0" encoding="utf-8"?>
+<p:notes xmlns:a="http://schemas.openxmlformats.org/drawingml/2006/main" xmlns:r="http://schemas.openxmlformats.org/officeDocument/2006/relationships" xmlns:p="http://schemas.openxmlformats.org/presentationml/2006/main" showMasterSp="0" showMasterPhAnim="0">
+  <p:cSld>
+    <p:spTree>
+      <p:nvGrpSpPr>
+        <p:cNvPr id="1" name="Shape 150"/>
+        <p:cNvGrpSpPr/>
+        <p:nvPr/>
+      </p:nvGrpSpPr>
+      <p:grpSpPr>
+        <a:xfrm>
+          <a:off x="0" y="0"/>
+          <a:ext cx="0" cy="0"/>
+          <a:chOff x="0" y="0"/>
+          <a:chExt cx="0" cy="0"/>
+        </a:xfrm>
+      </p:grpSpPr>
+      <p:sp>
+        <p:nvSpPr>
+          <p:cNvPr id="151" name="Google Shape;151;g281a2c4a295_0_219:notes"/>
+          <p:cNvSpPr>
+            <a:spLocks noGrp="1" noRot="1" noChangeAspect="1"/>
+          </p:cNvSpPr>
+          <p:nvPr>
+            <p:ph type="sldImg" idx="2"/>
+          </p:nvPr>
+        </p:nvSpPr>
+        <p:spPr>
+          <a:xfrm>
+            <a:off x="381000" y="685800"/>
+            <a:ext cx="6096000" cy="3429000"/>
+          </a:xfrm>
+          <a:custGeom>
+            <a:avLst/>
+            <a:gdLst/>
+            <a:ahLst/>
+            <a:cxnLst/>
+            <a:rect l="l" t="t" r="r" b="b"/>
+            <a:pathLst>
+              <a:path w="120000" h="120000" extrusionOk="0">
+                <a:moveTo>
+                  <a:pt x="0" y="0"/>
+                </a:moveTo>
+                <a:lnTo>
+                  <a:pt x="120000" y="0"/>
+                </a:lnTo>
+                <a:lnTo>
+                  <a:pt x="120000" y="120000"/>
+                </a:lnTo>
+                <a:lnTo>
+                  <a:pt x="0" y="120000"/>
+                </a:lnTo>
+                <a:close/>
+              </a:path>
+            </a:pathLst>
+          </a:custGeom>
+        </p:spPr>
+      </p:sp>
+      <p:sp>
+        <p:nvSpPr>
+          <p:cNvPr id="152" name="Google Shape;152;g281a2c4a295_0_219:notes"/>
+          <p:cNvSpPr txBox="1">
+            <a:spLocks noGrp="1"/>
+          </p:cNvSpPr>
+          <p:nvPr>
+            <p:ph type="body" idx="1"/>
+          </p:nvPr>
+        </p:nvSpPr>
+        <p:spPr>
+          <a:xfrm>
+            <a:off x="685800" y="4343400"/>
+            <a:ext cx="5486400" cy="4114800"/>
+          </a:xfrm>
+          <a:prstGeom prst="rect">
+            <a:avLst/>
+          </a:prstGeom>
+        </p:spPr>
+        <p:txBody>
+          <a:bodyPr spcFirstLastPara="1" wrap="square" lIns="91425" tIns="91425" rIns="91425" bIns="91425" anchor="t" anchorCtr="0">
+            <a:noAutofit/>
+          </a:bodyPr>
+          <a:lstStyle/>
+          <a:p>
+            <a:pPr marL="0" lvl="0" indent="0" algn="l" rtl="0">
+              <a:spcBef>
+                <a:spcPts val="0"/>
+              </a:spcBef>
+              <a:spcAft>
+                <a:spcPts val="0"/>
+              </a:spcAft>
+              <a:buNone/>
+            </a:pPr>
+            <a:endParaRPr dirty="0"/>
+          </a:p>
+        </p:txBody>
+      </p:sp>
+    </p:spTree>
+    <p:extLst>
+      <p:ext uri="{BB962C8B-B14F-4D97-AF65-F5344CB8AC3E}">
+        <p14:creationId xmlns:p14="http://schemas.microsoft.com/office/powerpoint/2010/main" xmlns="" val="388049102"/>
+      </p:ext>
+    </p:extLst>
+  </p:cSld>
+  <p:clrMapOvr>
+    <a:masterClrMapping/>
+  </p:clrMapOvr>
+</p:notes>
+</file>
+
+<file path=ppt/notesSlides/notesSlide12.xml><?xml version="1.0" encoding="utf-8"?>
 <p:notes xmlns:a="http://schemas.openxmlformats.org/drawingml/2006/main" xmlns:r="http://schemas.openxmlformats.org/officeDocument/2006/relationships" xmlns:p="http://schemas.openxmlformats.org/presentationml/2006/main" showMasterSp="0" showMasterPhAnim="0">
   <p:cSld>
     <p:spTree>
@@ -9993,7 +10213,7 @@
 </file>
 
 <file path=ppt/slides/slide1.xml><?xml version="1.0" encoding="utf-8"?>
-<p:sld xmlns:a="http://schemas.openxmlformats.org/drawingml/2006/main" xmlns:r="http://schemas.openxmlformats.org/officeDocument/2006/relationships" xmlns:p="http://schemas.openxmlformats.org/presentationml/2006/main" show="0">
+<p:sld xmlns:a="http://schemas.openxmlformats.org/drawingml/2006/main" xmlns:r="http://schemas.openxmlformats.org/officeDocument/2006/relationships" xmlns:p="http://schemas.openxmlformats.org/presentationml/2006/main">
   <p:cSld>
     <p:spTree>
       <p:nvGrpSpPr>
@@ -10021,8 +10241,8 @@
         </p:nvSpPr>
         <p:spPr>
           <a:xfrm>
-            <a:off x="3537150" y="1578400"/>
-            <a:ext cx="5017500" cy="1578900"/>
+            <a:off x="3105150" y="1578400"/>
+            <a:ext cx="5449500" cy="1578900"/>
           </a:xfrm>
           <a:prstGeom prst="rect">
             <a:avLst/>
@@ -10030,7 +10250,7 @@
         </p:spPr>
         <p:txBody>
           <a:bodyPr spcFirstLastPara="1" wrap="square" lIns="91425" tIns="91425" rIns="91425" bIns="91425" anchor="t" anchorCtr="0">
-            <a:normAutofit/>
+            <a:noAutofit/>
           </a:bodyPr>
           <a:lstStyle/>
           <a:p>
@@ -10043,7 +10263,24 @@
               </a:spcAft>
               <a:buNone/>
             </a:pPr>
-            <a:endParaRPr/>
+            <a:r>
+              <a:rPr lang="en-US" altLang="zh-TW" sz="4800" dirty="0" smtClean="0">
+                <a:latin typeface="微軟正黑體" pitchFamily="34" charset="-120"/>
+                <a:ea typeface="微軟正黑體" pitchFamily="34" charset="-120"/>
+              </a:rPr>
+              <a:t>Angular</a:t>
+            </a:r>
+            <a:r>
+              <a:rPr lang="zh-TW" altLang="en-US" sz="4800" dirty="0" smtClean="0">
+                <a:latin typeface="微軟正黑體" pitchFamily="34" charset="-120"/>
+                <a:ea typeface="微軟正黑體" pitchFamily="34" charset="-120"/>
+              </a:rPr>
+              <a:t> 學習報告</a:t>
+            </a:r>
+            <a:endParaRPr sz="4800" dirty="0">
+              <a:latin typeface="微軟正黑體" pitchFamily="34" charset="-120"/>
+              <a:ea typeface="微軟正黑體" pitchFamily="34" charset="-120"/>
+            </a:endParaRPr>
           </a:p>
         </p:txBody>
       </p:sp>
@@ -10068,7 +10305,7 @@
         </p:spPr>
         <p:txBody>
           <a:bodyPr spcFirstLastPara="1" wrap="square" lIns="91425" tIns="91425" rIns="91425" bIns="91425" anchor="t" anchorCtr="0">
-            <a:normAutofit/>
+            <a:noAutofit/>
           </a:bodyPr>
           <a:lstStyle/>
           <a:p>
@@ -10081,7 +10318,31 @@
               </a:spcAft>
               <a:buNone/>
             </a:pPr>
-            <a:endParaRPr/>
+            <a:r>
+              <a:rPr lang="zh-TW" altLang="en-US" sz="3200" dirty="0" smtClean="0">
+                <a:latin typeface="微軟正黑體" pitchFamily="34" charset="-120"/>
+                <a:ea typeface="微軟正黑體" pitchFamily="34" charset="-120"/>
+              </a:rPr>
+              <a:t>報告人 </a:t>
+            </a:r>
+            <a:r>
+              <a:rPr lang="en-US" altLang="zh-TW" sz="3200" dirty="0" smtClean="0">
+                <a:latin typeface="微軟正黑體" pitchFamily="34" charset="-120"/>
+                <a:ea typeface="微軟正黑體" pitchFamily="34" charset="-120"/>
+              </a:rPr>
+              <a:t>:</a:t>
+            </a:r>
+            <a:r>
+              <a:rPr lang="zh-TW" altLang="en-US" sz="3200" dirty="0" smtClean="0">
+                <a:latin typeface="微軟正黑體" pitchFamily="34" charset="-120"/>
+                <a:ea typeface="微軟正黑體" pitchFamily="34" charset="-120"/>
+              </a:rPr>
+              <a:t> 呂俊廷</a:t>
+            </a:r>
+            <a:endParaRPr sz="3200" dirty="0">
+              <a:latin typeface="微軟正黑體" pitchFamily="34" charset="-120"/>
+              <a:ea typeface="微軟正黑體" pitchFamily="34" charset="-120"/>
+            </a:endParaRPr>
           </a:p>
         </p:txBody>
       </p:sp>
@@ -10157,22 +10418,7 @@
                 <a:cs typeface="Arial"/>
                 <a:sym typeface="Arial"/>
               </a:rPr>
-              <a:t>指令</a:t>
-            </a:r>
-            <a:r>
-              <a:rPr lang="zh-TW" altLang="en-US" sz="3133" b="1" dirty="0" smtClean="0">
-                <a:solidFill>
-                  <a:schemeClr val="bg1"/>
-                </a:solidFill>
-                <a:uFill>
-                  <a:noFill/>
-                </a:uFill>
-                <a:latin typeface="微軟正黑體" pitchFamily="34" charset="-120"/>
-                <a:ea typeface="微軟正黑體" pitchFamily="34" charset="-120"/>
-                <a:cs typeface="Arial"/>
-                <a:sym typeface="Arial"/>
-              </a:rPr>
-              <a:t>（</a:t>
+              <a:t>指令（</a:t>
             </a:r>
             <a:r>
               <a:rPr lang="en-US" altLang="zh-TW" sz="3133" b="1" dirty="0" smtClean="0">
@@ -10244,16 +10490,7 @@
                 <a:cs typeface="Arial"/>
                 <a:sym typeface="Arial"/>
               </a:rPr>
-              <a:t>結構型</a:t>
-            </a:r>
-            <a:r>
-              <a:rPr lang="zh-TW" altLang="en-US" sz="1800" dirty="0" smtClean="0">
-                <a:latin typeface="微軟正黑體" pitchFamily="34" charset="-120"/>
-                <a:ea typeface="微軟正黑體" pitchFamily="34" charset="-120"/>
-                <a:cs typeface="Arial"/>
-                <a:sym typeface="Arial"/>
-              </a:rPr>
-              <a:t>－</a:t>
+              <a:t>結構型－</a:t>
             </a:r>
             <a:endParaRPr lang="en-US" altLang="zh-TW" sz="1800" dirty="0" smtClean="0">
               <a:latin typeface="微軟正黑體" pitchFamily="34" charset="-120"/>
@@ -10291,16 +10528,7 @@
                 <a:cs typeface="Arial"/>
                 <a:sym typeface="Arial"/>
               </a:rPr>
-              <a:t>中的元素來</a:t>
-            </a:r>
-            <a:r>
-              <a:rPr lang="zh-TW" altLang="en-US" sz="1800" dirty="0" smtClean="0">
-                <a:latin typeface="微軟正黑體" pitchFamily="34" charset="-120"/>
-                <a:ea typeface="微軟正黑體" pitchFamily="34" charset="-120"/>
-                <a:cs typeface="Arial"/>
-                <a:sym typeface="Arial"/>
-              </a:rPr>
-              <a:t>更改 </a:t>
+              <a:t>中的元素來更改 </a:t>
             </a:r>
             <a:r>
               <a:rPr lang="en-US" altLang="zh-TW" sz="1800" dirty="0" smtClean="0">
@@ -10512,17 +10740,7 @@
                 <a:latin typeface="微軟正黑體" pitchFamily="34" charset="-120"/>
                 <a:ea typeface="微軟正黑體" pitchFamily="34" charset="-120"/>
               </a:rPr>
-              <a:t>更改現有元素的外觀或</a:t>
-            </a:r>
-            <a:r>
-              <a:rPr lang="zh-TW" altLang="en-US" sz="1800" dirty="0" smtClean="0">
-                <a:solidFill>
-                  <a:schemeClr val="lt1"/>
-                </a:solidFill>
-                <a:latin typeface="微軟正黑體" pitchFamily="34" charset="-120"/>
-                <a:ea typeface="微軟正黑體" pitchFamily="34" charset="-120"/>
-              </a:rPr>
-              <a:t>行為</a:t>
+              <a:t>更改現有元素的外觀或行為</a:t>
             </a:r>
             <a:endParaRPr lang="en-US" altLang="zh-TW" sz="1800" dirty="0" smtClean="0">
               <a:solidFill>
@@ -10636,6 +10854,800 @@
           <a:effectLst/>
         </p:spPr>
       </p:pic>
+      <p:pic>
+        <p:nvPicPr>
+          <p:cNvPr id="1026" name="Picture 2"/>
+          <p:cNvPicPr>
+            <a:picLocks noChangeAspect="1" noChangeArrowheads="1"/>
+          </p:cNvPicPr>
+          <p:nvPr/>
+        </p:nvPicPr>
+        <p:blipFill>
+          <a:blip r:embed="rId5"/>
+          <a:srcRect/>
+          <a:stretch>
+            <a:fillRect/>
+          </a:stretch>
+        </p:blipFill>
+        <p:spPr bwMode="auto">
+          <a:xfrm>
+            <a:off x="142875" y="4133850"/>
+            <a:ext cx="4552950" cy="266700"/>
+          </a:xfrm>
+          <a:prstGeom prst="rect">
+            <a:avLst/>
+          </a:prstGeom>
+          <a:noFill/>
+          <a:ln w="9525">
+            <a:noFill/>
+            <a:miter lim="800000"/>
+            <a:headEnd/>
+            <a:tailEnd/>
+          </a:ln>
+          <a:effectLst/>
+        </p:spPr>
+      </p:pic>
+    </p:spTree>
+    <p:extLst>
+      <p:ext uri="{BB962C8B-B14F-4D97-AF65-F5344CB8AC3E}">
+        <p14:creationId xmlns:p14="http://schemas.microsoft.com/office/powerpoint/2010/main" xmlns="" val="964592908"/>
+      </p:ext>
+    </p:extLst>
+  </p:cSld>
+  <p:clrMapOvr>
+    <a:masterClrMapping/>
+  </p:clrMapOvr>
+  <p:transition/>
+  <p:timing>
+    <p:tnLst>
+      <p:par>
+        <p:cTn id="1" dur="indefinite" restart="never" nodeType="tmRoot"/>
+      </p:par>
+    </p:tnLst>
+  </p:timing>
+</p:sld>
+</file>
+
+<file path=ppt/slides/slide11.xml><?xml version="1.0" encoding="utf-8"?>
+<p:sld xmlns:a="http://schemas.openxmlformats.org/drawingml/2006/main" xmlns:r="http://schemas.openxmlformats.org/officeDocument/2006/relationships" xmlns:p="http://schemas.openxmlformats.org/presentationml/2006/main">
+  <p:cSld>
+    <p:spTree>
+      <p:nvGrpSpPr>
+        <p:cNvPr id="1" name="Shape 153"/>
+        <p:cNvGrpSpPr/>
+        <p:nvPr/>
+      </p:nvGrpSpPr>
+      <p:grpSpPr>
+        <a:xfrm>
+          <a:off x="0" y="0"/>
+          <a:ext cx="0" cy="0"/>
+          <a:chOff x="0" y="0"/>
+          <a:chExt cx="0" cy="0"/>
+        </a:xfrm>
+      </p:grpSpPr>
+      <p:sp>
+        <p:nvSpPr>
+          <p:cNvPr id="154" name="Google Shape;154;p16"/>
+          <p:cNvSpPr txBox="1">
+            <a:spLocks noGrp="1"/>
+          </p:cNvSpPr>
+          <p:nvPr>
+            <p:ph type="title"/>
+          </p:nvPr>
+        </p:nvSpPr>
+        <p:spPr>
+          <a:xfrm>
+            <a:off x="1297500" y="393750"/>
+            <a:ext cx="7038900" cy="914100"/>
+          </a:xfrm>
+          <a:prstGeom prst="rect">
+            <a:avLst/>
+          </a:prstGeom>
+        </p:spPr>
+        <p:txBody>
+          <a:bodyPr spcFirstLastPara="1" wrap="square" lIns="91425" tIns="91425" rIns="91425" bIns="91425" anchor="t" anchorCtr="0">
+            <a:normAutofit fontScale="90000"/>
+          </a:bodyPr>
+          <a:lstStyle/>
+          <a:p>
+            <a:pPr lvl="0">
+              <a:lnSpc>
+                <a:spcPct val="115000"/>
+              </a:lnSpc>
+              <a:spcBef>
+                <a:spcPts val="1800"/>
+              </a:spcBef>
+            </a:pPr>
+            <a:r>
+              <a:rPr lang="zh-TW" altLang="en-US" sz="3133" b="1" dirty="0" smtClean="0">
+                <a:solidFill>
+                  <a:schemeClr val="bg1"/>
+                </a:solidFill>
+                <a:uFill>
+                  <a:noFill/>
+                </a:uFill>
+                <a:latin typeface="微軟正黑體" pitchFamily="34" charset="-120"/>
+                <a:ea typeface="微軟正黑體" pitchFamily="34" charset="-120"/>
+                <a:cs typeface="Arial"/>
+                <a:sym typeface="Arial"/>
+              </a:rPr>
+              <a:t>指令（</a:t>
+            </a:r>
+            <a:r>
+              <a:rPr lang="en-US" altLang="zh-TW" sz="3133" b="1" dirty="0" smtClean="0">
+                <a:solidFill>
+                  <a:schemeClr val="bg1"/>
+                </a:solidFill>
+                <a:uFill>
+                  <a:noFill/>
+                </a:uFill>
+                <a:latin typeface="微軟正黑體" pitchFamily="34" charset="-120"/>
+                <a:ea typeface="微軟正黑體" pitchFamily="34" charset="-120"/>
+                <a:cs typeface="Arial"/>
+                <a:sym typeface="Arial"/>
+              </a:rPr>
+              <a:t>Directive</a:t>
+            </a:r>
+            <a:r>
+              <a:rPr lang="zh-TW" altLang="en-US" sz="3133" b="1" dirty="0" smtClean="0">
+                <a:solidFill>
+                  <a:schemeClr val="bg1"/>
+                </a:solidFill>
+                <a:uFill>
+                  <a:noFill/>
+                </a:uFill>
+                <a:latin typeface="微軟正黑體" pitchFamily="34" charset="-120"/>
+                <a:ea typeface="微軟正黑體" pitchFamily="34" charset="-120"/>
+                <a:cs typeface="Arial"/>
+                <a:sym typeface="Arial"/>
+              </a:rPr>
+              <a:t>）</a:t>
+            </a:r>
+            <a:endParaRPr dirty="0">
+              <a:latin typeface="微軟正黑體" pitchFamily="34" charset="-120"/>
+              <a:ea typeface="微軟正黑體" pitchFamily="34" charset="-120"/>
+            </a:endParaRPr>
+          </a:p>
+        </p:txBody>
+      </p:sp>
+      <p:sp>
+        <p:nvSpPr>
+          <p:cNvPr id="155" name="Google Shape;155;p16"/>
+          <p:cNvSpPr txBox="1">
+            <a:spLocks noGrp="1"/>
+          </p:cNvSpPr>
+          <p:nvPr>
+            <p:ph type="body" idx="1"/>
+          </p:nvPr>
+        </p:nvSpPr>
+        <p:spPr>
+          <a:xfrm>
+            <a:off x="1102995" y="1176529"/>
+            <a:ext cx="3592830" cy="3302222"/>
+          </a:xfrm>
+          <a:prstGeom prst="rect">
+            <a:avLst/>
+          </a:prstGeom>
+        </p:spPr>
+        <p:txBody>
+          <a:bodyPr spcFirstLastPara="1" wrap="square" lIns="91425" tIns="91425" rIns="91425" bIns="91425" anchor="t" anchorCtr="0">
+            <a:normAutofit/>
+          </a:bodyPr>
+          <a:lstStyle/>
+          <a:p>
+            <a:pPr marL="342900" indent="-342900"/>
+            <a:r>
+              <a:rPr lang="zh-TW" altLang="en-US" sz="1800" dirty="0" smtClean="0">
+                <a:latin typeface="微軟正黑體" pitchFamily="34" charset="-120"/>
+                <a:ea typeface="微軟正黑體" pitchFamily="34" charset="-120"/>
+                <a:cs typeface="Arial"/>
+                <a:sym typeface="Arial"/>
+              </a:rPr>
+              <a:t>結構型－</a:t>
+            </a:r>
+            <a:endParaRPr lang="en-US" altLang="zh-TW" sz="1800" dirty="0" smtClean="0">
+              <a:latin typeface="微軟正黑體" pitchFamily="34" charset="-120"/>
+              <a:ea typeface="微軟正黑體" pitchFamily="34" charset="-120"/>
+              <a:cs typeface="Arial"/>
+              <a:sym typeface="Arial"/>
+            </a:endParaRPr>
+          </a:p>
+          <a:p>
+            <a:pPr marL="0" indent="-342900">
+              <a:buNone/>
+            </a:pPr>
+            <a:r>
+              <a:rPr lang="zh-TW" altLang="en-US" sz="1800" dirty="0" smtClean="0">
+                <a:latin typeface="微軟正黑體" pitchFamily="34" charset="-120"/>
+                <a:ea typeface="微軟正黑體" pitchFamily="34" charset="-120"/>
+                <a:cs typeface="Arial"/>
+                <a:sym typeface="Arial"/>
+              </a:rPr>
+              <a:t>透過新增、刪除或是取代 </a:t>
+            </a:r>
+            <a:r>
+              <a:rPr lang="en-US" altLang="zh-TW" sz="1800" dirty="0" smtClean="0">
+                <a:latin typeface="微軟正黑體" pitchFamily="34" charset="-120"/>
+                <a:ea typeface="微軟正黑體" pitchFamily="34" charset="-120"/>
+                <a:cs typeface="Arial"/>
+                <a:sym typeface="Arial"/>
+              </a:rPr>
+              <a:t>DOM</a:t>
+            </a:r>
+            <a:r>
+              <a:rPr lang="zh-TW" altLang="en-US" sz="1800" dirty="0" smtClean="0">
+                <a:latin typeface="微軟正黑體" pitchFamily="34" charset="-120"/>
+                <a:ea typeface="微軟正黑體" pitchFamily="34" charset="-120"/>
+                <a:cs typeface="Arial"/>
+                <a:sym typeface="Arial"/>
+              </a:rPr>
+              <a:t>中的元素來更改 </a:t>
+            </a:r>
+            <a:r>
+              <a:rPr lang="en-US" altLang="zh-TW" sz="1800" dirty="0" smtClean="0">
+                <a:latin typeface="微軟正黑體" pitchFamily="34" charset="-120"/>
+                <a:ea typeface="微軟正黑體" pitchFamily="34" charset="-120"/>
+                <a:cs typeface="Arial"/>
+                <a:sym typeface="Arial"/>
+              </a:rPr>
+              <a:t>Layout</a:t>
+            </a:r>
+            <a:r>
+              <a:rPr lang="zh-TW" altLang="en-US" sz="1800" dirty="0" smtClean="0">
+                <a:latin typeface="微軟正黑體" pitchFamily="34" charset="-120"/>
+                <a:ea typeface="微軟正黑體" pitchFamily="34" charset="-120"/>
+                <a:cs typeface="Arial"/>
+                <a:sym typeface="Arial"/>
+              </a:rPr>
+              <a:t>。</a:t>
+            </a:r>
+            <a:endParaRPr lang="en-US" altLang="zh-TW" sz="1800" dirty="0" smtClean="0">
+              <a:latin typeface="微軟正黑體" pitchFamily="34" charset="-120"/>
+              <a:ea typeface="微軟正黑體" pitchFamily="34" charset="-120"/>
+              <a:cs typeface="Arial"/>
+              <a:sym typeface="Arial"/>
+            </a:endParaRPr>
+          </a:p>
+          <a:p>
+            <a:pPr marL="0" indent="-342900">
+              <a:buNone/>
+            </a:pPr>
+            <a:r>
+              <a:rPr lang="zh-TW" altLang="en-US" sz="1800" dirty="0" smtClean="0">
+                <a:latin typeface="微軟正黑體" pitchFamily="34" charset="-120"/>
+                <a:ea typeface="微軟正黑體" pitchFamily="34" charset="-120"/>
+                <a:cs typeface="Arial"/>
+                <a:sym typeface="Arial"/>
+              </a:rPr>
+              <a:t>例如 </a:t>
+            </a:r>
+            <a:r>
+              <a:rPr lang="en-US" altLang="zh-TW" sz="1800" dirty="0" smtClean="0">
+                <a:latin typeface="微軟正黑體" pitchFamily="34" charset="-120"/>
+                <a:ea typeface="微軟正黑體" pitchFamily="34" charset="-120"/>
+                <a:cs typeface="Arial"/>
+                <a:sym typeface="Arial"/>
+              </a:rPr>
+              <a:t>:</a:t>
+            </a:r>
+            <a:r>
+              <a:rPr lang="zh-TW" altLang="en-US" sz="1800" dirty="0" smtClean="0">
+                <a:latin typeface="微軟正黑體" pitchFamily="34" charset="-120"/>
+                <a:ea typeface="微軟正黑體" pitchFamily="34" charset="-120"/>
+                <a:cs typeface="Arial"/>
+                <a:sym typeface="Arial"/>
+              </a:rPr>
+              <a:t>  *</a:t>
+            </a:r>
+            <a:r>
+              <a:rPr lang="en-US" altLang="zh-TW" sz="1800" dirty="0" err="1" smtClean="0">
+                <a:latin typeface="微軟正黑體" pitchFamily="34" charset="-120"/>
+                <a:ea typeface="微軟正黑體" pitchFamily="34" charset="-120"/>
+                <a:cs typeface="Arial"/>
+                <a:sym typeface="Arial"/>
+              </a:rPr>
+              <a:t>ngFor</a:t>
+            </a:r>
+            <a:r>
+              <a:rPr lang="zh-TW" altLang="en-US" sz="1800" dirty="0" smtClean="0">
+                <a:latin typeface="微軟正黑體" pitchFamily="34" charset="-120"/>
+                <a:ea typeface="微軟正黑體" pitchFamily="34" charset="-120"/>
+                <a:cs typeface="Arial"/>
+                <a:sym typeface="Arial"/>
+              </a:rPr>
+              <a:t>、</a:t>
+            </a:r>
+            <a:r>
+              <a:rPr lang="en-US" altLang="zh-TW" sz="1800" dirty="0" smtClean="0">
+                <a:latin typeface="微軟正黑體" pitchFamily="34" charset="-120"/>
+                <a:ea typeface="微軟正黑體" pitchFamily="34" charset="-120"/>
+                <a:cs typeface="Arial"/>
+                <a:sym typeface="Arial"/>
+              </a:rPr>
+              <a:t>*</a:t>
+            </a:r>
+            <a:r>
+              <a:rPr lang="en-US" altLang="zh-TW" sz="1800" dirty="0" err="1" smtClean="0">
+                <a:latin typeface="微軟正黑體" pitchFamily="34" charset="-120"/>
+                <a:ea typeface="微軟正黑體" pitchFamily="34" charset="-120"/>
+                <a:cs typeface="Arial"/>
+                <a:sym typeface="Arial"/>
+              </a:rPr>
+              <a:t>ngIf</a:t>
+            </a:r>
+            <a:endParaRPr lang="en-US" altLang="zh-TW" sz="1800" dirty="0" smtClean="0">
+              <a:latin typeface="微軟正黑體" pitchFamily="34" charset="-120"/>
+              <a:ea typeface="微軟正黑體" pitchFamily="34" charset="-120"/>
+              <a:cs typeface="Arial"/>
+              <a:sym typeface="Arial"/>
+            </a:endParaRPr>
+          </a:p>
+          <a:p>
+            <a:pPr marL="0" indent="-342900">
+              <a:buNone/>
+            </a:pPr>
+            <a:endParaRPr lang="en-US" altLang="zh-TW" sz="1800" dirty="0" smtClean="0">
+              <a:latin typeface="微軟正黑體" pitchFamily="34" charset="-120"/>
+              <a:ea typeface="微軟正黑體" pitchFamily="34" charset="-120"/>
+              <a:cs typeface="Arial"/>
+              <a:sym typeface="Arial"/>
+            </a:endParaRPr>
+          </a:p>
+        </p:txBody>
+      </p:sp>
+      <p:sp>
+        <p:nvSpPr>
+          <p:cNvPr id="11" name="Google Shape;155;p16"/>
+          <p:cNvSpPr txBox="1">
+            <a:spLocks/>
+          </p:cNvSpPr>
+          <p:nvPr/>
+        </p:nvSpPr>
+        <p:spPr>
+          <a:xfrm>
+            <a:off x="4855844" y="1128904"/>
+            <a:ext cx="3430905" cy="3302222"/>
+          </a:xfrm>
+          <a:prstGeom prst="rect">
+            <a:avLst/>
+          </a:prstGeom>
+          <a:noFill/>
+          <a:ln>
+            <a:noFill/>
+          </a:ln>
+        </p:spPr>
+        <p:txBody>
+          <a:bodyPr spcFirstLastPara="1" wrap="square" lIns="91425" tIns="91425" rIns="91425" bIns="91425" anchor="t" anchorCtr="0">
+            <a:normAutofit/>
+          </a:bodyPr>
+          <a:lstStyle/>
+          <a:p>
+            <a:pPr marL="342900" marR="0" lvl="0" indent="-342900" algn="l" defTabSz="914400" rtl="0" eaLnBrk="1" fontAlgn="auto" latinLnBrk="0" hangingPunct="1">
+              <a:lnSpc>
+                <a:spcPct val="115000"/>
+              </a:lnSpc>
+              <a:spcBef>
+                <a:spcPts val="0"/>
+              </a:spcBef>
+              <a:spcAft>
+                <a:spcPts val="0"/>
+              </a:spcAft>
+              <a:buClr>
+                <a:schemeClr val="lt1"/>
+              </a:buClr>
+              <a:buSzPts val="1300"/>
+              <a:buFont typeface="Lato"/>
+              <a:buChar char="●"/>
+              <a:tabLst/>
+              <a:defRPr/>
+            </a:pPr>
+            <a:r>
+              <a:rPr kumimoji="0" lang="zh-TW" altLang="en-US" sz="1800" b="0" i="0" u="none" strike="noStrike" kern="0" cap="none" spc="0" normalizeH="0" baseline="0" noProof="0" dirty="0" smtClean="0">
+                <a:ln>
+                  <a:noFill/>
+                </a:ln>
+                <a:solidFill>
+                  <a:schemeClr val="lt1"/>
+                </a:solidFill>
+                <a:effectLst/>
+                <a:uLnTx/>
+                <a:uFillTx/>
+                <a:latin typeface="微軟正黑體" pitchFamily="34" charset="-120"/>
+                <a:ea typeface="微軟正黑體" pitchFamily="34" charset="-120"/>
+                <a:cs typeface="Arial"/>
+                <a:sym typeface="Arial"/>
+              </a:rPr>
+              <a:t>屬性型－</a:t>
+            </a:r>
+            <a:endParaRPr kumimoji="0" lang="en-US" altLang="zh-TW" sz="1800" b="0" i="0" u="none" strike="noStrike" kern="0" cap="none" spc="0" normalizeH="0" baseline="0" noProof="0" dirty="0" smtClean="0">
+              <a:ln>
+                <a:noFill/>
+              </a:ln>
+              <a:solidFill>
+                <a:schemeClr val="lt1"/>
+              </a:solidFill>
+              <a:effectLst/>
+              <a:uLnTx/>
+              <a:uFillTx/>
+              <a:latin typeface="微軟正黑體" pitchFamily="34" charset="-120"/>
+              <a:ea typeface="微軟正黑體" pitchFamily="34" charset="-120"/>
+              <a:cs typeface="Arial"/>
+              <a:sym typeface="Arial"/>
+            </a:endParaRPr>
+          </a:p>
+          <a:p>
+            <a:pPr marL="342900" lvl="0" indent="-342900">
+              <a:lnSpc>
+                <a:spcPct val="115000"/>
+              </a:lnSpc>
+              <a:buClr>
+                <a:schemeClr val="lt1"/>
+              </a:buClr>
+              <a:buSzPts val="1300"/>
+            </a:pPr>
+            <a:r>
+              <a:rPr lang="zh-TW" altLang="en-US" sz="1800" dirty="0" smtClean="0">
+                <a:solidFill>
+                  <a:schemeClr val="lt1"/>
+                </a:solidFill>
+                <a:latin typeface="微軟正黑體" pitchFamily="34" charset="-120"/>
+                <a:ea typeface="微軟正黑體" pitchFamily="34" charset="-120"/>
+              </a:rPr>
+              <a:t>更改現有元素的外觀或行為</a:t>
+            </a:r>
+            <a:endParaRPr lang="en-US" altLang="zh-TW" sz="1800" dirty="0" smtClean="0">
+              <a:solidFill>
+                <a:schemeClr val="lt1"/>
+              </a:solidFill>
+              <a:latin typeface="微軟正黑體" pitchFamily="34" charset="-120"/>
+              <a:ea typeface="微軟正黑體" pitchFamily="34" charset="-120"/>
+            </a:endParaRPr>
+          </a:p>
+          <a:p>
+            <a:pPr marL="342900" lvl="0" indent="-342900">
+              <a:lnSpc>
+                <a:spcPct val="115000"/>
+              </a:lnSpc>
+              <a:buClr>
+                <a:schemeClr val="lt1"/>
+              </a:buClr>
+              <a:buSzPts val="1300"/>
+            </a:pPr>
+            <a:r>
+              <a:rPr lang="zh-TW" altLang="en-US" sz="1800" dirty="0" smtClean="0">
+                <a:solidFill>
+                  <a:schemeClr val="lt1"/>
+                </a:solidFill>
+                <a:latin typeface="微軟正黑體" pitchFamily="34" charset="-120"/>
+                <a:ea typeface="微軟正黑體" pitchFamily="34" charset="-120"/>
+              </a:rPr>
+              <a:t> </a:t>
+            </a:r>
+            <a:endParaRPr kumimoji="0" lang="en-US" altLang="zh-TW" sz="1800" b="0" i="0" u="none" strike="noStrike" kern="0" cap="none" spc="0" normalizeH="0" baseline="0" noProof="0" dirty="0">
+              <a:ln>
+                <a:noFill/>
+              </a:ln>
+              <a:solidFill>
+                <a:schemeClr val="lt1"/>
+              </a:solidFill>
+              <a:effectLst/>
+              <a:uLnTx/>
+              <a:uFillTx/>
+              <a:latin typeface="微軟正黑體" pitchFamily="34" charset="-120"/>
+              <a:ea typeface="微軟正黑體" pitchFamily="34" charset="-120"/>
+              <a:cs typeface="Arial"/>
+              <a:sym typeface="Arial"/>
+            </a:endParaRPr>
+          </a:p>
+        </p:txBody>
+      </p:sp>
+      <p:pic>
+        <p:nvPicPr>
+          <p:cNvPr id="6146" name="Picture 2"/>
+          <p:cNvPicPr>
+            <a:picLocks noChangeAspect="1" noChangeArrowheads="1"/>
+          </p:cNvPicPr>
+          <p:nvPr/>
+        </p:nvPicPr>
+        <p:blipFill>
+          <a:blip r:embed="rId3"/>
+          <a:srcRect/>
+          <a:stretch>
+            <a:fillRect/>
+          </a:stretch>
+        </p:blipFill>
+        <p:spPr bwMode="auto">
+          <a:xfrm>
+            <a:off x="314325" y="2957513"/>
+            <a:ext cx="4286250" cy="619125"/>
+          </a:xfrm>
+          <a:prstGeom prst="rect">
+            <a:avLst/>
+          </a:prstGeom>
+          <a:noFill/>
+          <a:ln w="9525">
+            <a:noFill/>
+            <a:miter lim="800000"/>
+            <a:headEnd/>
+            <a:tailEnd/>
+          </a:ln>
+          <a:effectLst/>
+        </p:spPr>
+      </p:pic>
+      <p:pic>
+        <p:nvPicPr>
+          <p:cNvPr id="12" name="Picture 3"/>
+          <p:cNvPicPr>
+            <a:picLocks noChangeAspect="1" noChangeArrowheads="1"/>
+          </p:cNvPicPr>
+          <p:nvPr/>
+        </p:nvPicPr>
+        <p:blipFill>
+          <a:blip r:embed="rId4"/>
+          <a:srcRect/>
+          <a:stretch>
+            <a:fillRect/>
+          </a:stretch>
+        </p:blipFill>
+        <p:spPr bwMode="auto">
+          <a:xfrm>
+            <a:off x="4813935" y="2755583"/>
+            <a:ext cx="3924300" cy="1285875"/>
+          </a:xfrm>
+          <a:prstGeom prst="rect">
+            <a:avLst/>
+          </a:prstGeom>
+          <a:noFill/>
+          <a:ln w="9525">
+            <a:noFill/>
+            <a:miter lim="800000"/>
+            <a:headEnd/>
+            <a:tailEnd/>
+          </a:ln>
+          <a:effectLst/>
+        </p:spPr>
+      </p:pic>
+      <p:pic>
+        <p:nvPicPr>
+          <p:cNvPr id="1026" name="Picture 2"/>
+          <p:cNvPicPr>
+            <a:picLocks noChangeAspect="1" noChangeArrowheads="1"/>
+          </p:cNvPicPr>
+          <p:nvPr/>
+        </p:nvPicPr>
+        <p:blipFill>
+          <a:blip r:embed="rId5"/>
+          <a:srcRect/>
+          <a:stretch>
+            <a:fillRect/>
+          </a:stretch>
+        </p:blipFill>
+        <p:spPr bwMode="auto">
+          <a:xfrm>
+            <a:off x="142875" y="4133850"/>
+            <a:ext cx="4552950" cy="266700"/>
+          </a:xfrm>
+          <a:prstGeom prst="rect">
+            <a:avLst/>
+          </a:prstGeom>
+          <a:noFill/>
+          <a:ln w="9525">
+            <a:noFill/>
+            <a:miter lim="800000"/>
+            <a:headEnd/>
+            <a:tailEnd/>
+          </a:ln>
+          <a:effectLst/>
+        </p:spPr>
+      </p:pic>
+    </p:spTree>
+    <p:extLst>
+      <p:ext uri="{BB962C8B-B14F-4D97-AF65-F5344CB8AC3E}">
+        <p14:creationId xmlns:p14="http://schemas.microsoft.com/office/powerpoint/2010/main" xmlns="" val="964592908"/>
+      </p:ext>
+    </p:extLst>
+  </p:cSld>
+  <p:clrMapOvr>
+    <a:masterClrMapping/>
+  </p:clrMapOvr>
+  <p:transition/>
+  <p:timing>
+    <p:tnLst>
+      <p:par>
+        <p:cTn id="1" dur="indefinite" restart="never" nodeType="tmRoot"/>
+      </p:par>
+    </p:tnLst>
+  </p:timing>
+</p:sld>
+</file>
+
+<file path=ppt/slides/slide12.xml><?xml version="1.0" encoding="utf-8"?>
+<p:sld xmlns:a="http://schemas.openxmlformats.org/drawingml/2006/main" xmlns:r="http://schemas.openxmlformats.org/officeDocument/2006/relationships" xmlns:p="http://schemas.openxmlformats.org/presentationml/2006/main" show="0">
+  <p:cSld>
+    <p:spTree>
+      <p:nvGrpSpPr>
+        <p:cNvPr id="1" name="Shape 153"/>
+        <p:cNvGrpSpPr/>
+        <p:nvPr/>
+      </p:nvGrpSpPr>
+      <p:grpSpPr>
+        <a:xfrm>
+          <a:off x="0" y="0"/>
+          <a:ext cx="0" cy="0"/>
+          <a:chOff x="0" y="0"/>
+          <a:chExt cx="0" cy="0"/>
+        </a:xfrm>
+      </p:grpSpPr>
+      <p:pic>
+        <p:nvPicPr>
+          <p:cNvPr id="3074" name="Picture 2"/>
+          <p:cNvPicPr>
+            <a:picLocks noChangeAspect="1" noChangeArrowheads="1"/>
+          </p:cNvPicPr>
+          <p:nvPr/>
+        </p:nvPicPr>
+        <p:blipFill>
+          <a:blip r:embed="rId3"/>
+          <a:srcRect/>
+          <a:stretch>
+            <a:fillRect/>
+          </a:stretch>
+        </p:blipFill>
+        <p:spPr bwMode="auto">
+          <a:xfrm>
+            <a:off x="2055814" y="161925"/>
+            <a:ext cx="4771442" cy="1643062"/>
+          </a:xfrm>
+          <a:prstGeom prst="rect">
+            <a:avLst/>
+          </a:prstGeom>
+          <a:noFill/>
+          <a:ln w="9525">
+            <a:noFill/>
+            <a:miter lim="800000"/>
+            <a:headEnd/>
+            <a:tailEnd/>
+          </a:ln>
+          <a:effectLst/>
+        </p:spPr>
+      </p:pic>
+      <p:pic>
+        <p:nvPicPr>
+          <p:cNvPr id="3075" name="Picture 3"/>
+          <p:cNvPicPr>
+            <a:picLocks noChangeAspect="1" noChangeArrowheads="1"/>
+          </p:cNvPicPr>
+          <p:nvPr/>
+        </p:nvPicPr>
+        <p:blipFill>
+          <a:blip r:embed="rId4"/>
+          <a:srcRect/>
+          <a:stretch>
+            <a:fillRect/>
+          </a:stretch>
+        </p:blipFill>
+        <p:spPr bwMode="auto">
+          <a:xfrm>
+            <a:off x="390525" y="2243138"/>
+            <a:ext cx="3714750" cy="1971675"/>
+          </a:xfrm>
+          <a:prstGeom prst="rect">
+            <a:avLst/>
+          </a:prstGeom>
+          <a:noFill/>
+          <a:ln w="9525">
+            <a:noFill/>
+            <a:miter lim="800000"/>
+            <a:headEnd/>
+            <a:tailEnd/>
+          </a:ln>
+          <a:effectLst/>
+        </p:spPr>
+      </p:pic>
+      <p:pic>
+        <p:nvPicPr>
+          <p:cNvPr id="3076" name="Picture 4"/>
+          <p:cNvPicPr>
+            <a:picLocks noChangeAspect="1" noChangeArrowheads="1"/>
+          </p:cNvPicPr>
+          <p:nvPr/>
+        </p:nvPicPr>
+        <p:blipFill>
+          <a:blip r:embed="rId5"/>
+          <a:srcRect/>
+          <a:stretch>
+            <a:fillRect/>
+          </a:stretch>
+        </p:blipFill>
+        <p:spPr bwMode="auto">
+          <a:xfrm>
+            <a:off x="4905374" y="2112084"/>
+            <a:ext cx="3876675" cy="2097965"/>
+          </a:xfrm>
+          <a:prstGeom prst="rect">
+            <a:avLst/>
+          </a:prstGeom>
+          <a:noFill/>
+          <a:ln w="9525">
+            <a:noFill/>
+            <a:miter lim="800000"/>
+            <a:headEnd/>
+            <a:tailEnd/>
+          </a:ln>
+          <a:effectLst/>
+        </p:spPr>
+      </p:pic>
+      <p:sp>
+        <p:nvSpPr>
+          <p:cNvPr id="14" name="文字方塊 13"/>
+          <p:cNvSpPr txBox="1"/>
+          <p:nvPr/>
+        </p:nvSpPr>
+        <p:spPr>
+          <a:xfrm>
+            <a:off x="4571999" y="4352925"/>
+            <a:ext cx="4448175" cy="584775"/>
+          </a:xfrm>
+          <a:prstGeom prst="rect">
+            <a:avLst/>
+          </a:prstGeom>
+          <a:noFill/>
+        </p:spPr>
+        <p:txBody>
+          <a:bodyPr wrap="square" rtlCol="0">
+            <a:spAutoFit/>
+          </a:bodyPr>
+          <a:lstStyle/>
+          <a:p>
+            <a:r>
+              <a:rPr lang="zh-TW" altLang="en-US" sz="1600" dirty="0" smtClean="0">
+                <a:solidFill>
+                  <a:schemeClr val="bg1"/>
+                </a:solidFill>
+                <a:latin typeface="微軟正黑體" pitchFamily="34" charset="-120"/>
+                <a:ea typeface="微軟正黑體" pitchFamily="34" charset="-120"/>
+              </a:rPr>
+              <a:t>先判斷是否為空值，如果為否則將文字儲存。</a:t>
+            </a:r>
+            <a:r>
+              <a:rPr lang="en-US" altLang="zh-TW" sz="1600" dirty="0" smtClean="0">
+                <a:solidFill>
+                  <a:schemeClr val="bg1"/>
+                </a:solidFill>
+                <a:latin typeface="微軟正黑體" pitchFamily="34" charset="-120"/>
+                <a:ea typeface="微軟正黑體" pitchFamily="34" charset="-120"/>
+              </a:rPr>
+              <a:t/>
+            </a:r>
+            <a:br>
+              <a:rPr lang="en-US" altLang="zh-TW" sz="1600" dirty="0" smtClean="0">
+                <a:solidFill>
+                  <a:schemeClr val="bg1"/>
+                </a:solidFill>
+                <a:latin typeface="微軟正黑體" pitchFamily="34" charset="-120"/>
+                <a:ea typeface="微軟正黑體" pitchFamily="34" charset="-120"/>
+              </a:rPr>
+            </a:br>
+            <a:r>
+              <a:rPr lang="zh-TW" altLang="en-US" sz="1600" dirty="0" smtClean="0">
+                <a:solidFill>
+                  <a:schemeClr val="bg1"/>
+                </a:solidFill>
+                <a:latin typeface="微軟正黑體" pitchFamily="34" charset="-120"/>
+                <a:ea typeface="微軟正黑體" pitchFamily="34" charset="-120"/>
+              </a:rPr>
+              <a:t>最後將輸入欄位文字刪除</a:t>
+            </a:r>
+            <a:endParaRPr lang="zh-TW" altLang="en-US" sz="1600" dirty="0">
+              <a:solidFill>
+                <a:schemeClr val="bg1"/>
+              </a:solidFill>
+              <a:latin typeface="微軟正黑體" pitchFamily="34" charset="-120"/>
+              <a:ea typeface="微軟正黑體" pitchFamily="34" charset="-120"/>
+            </a:endParaRPr>
+          </a:p>
+        </p:txBody>
+      </p:sp>
     </p:spTree>
     <p:extLst>
       <p:ext uri="{BB962C8B-B14F-4D97-AF65-F5344CB8AC3E}">
@@ -13286,7 +14298,16 @@
                 <a:cs typeface="Arial"/>
                 <a:sym typeface="Arial"/>
               </a:rPr>
-              <a:t>單向性：</a:t>
+              <a:t>單</a:t>
+            </a:r>
+            <a:r>
+              <a:rPr lang="zh-TW" altLang="en-US" sz="2100" dirty="0" smtClean="0">
+                <a:latin typeface="微軟正黑體" pitchFamily="34" charset="-120"/>
+                <a:ea typeface="微軟正黑體" pitchFamily="34" charset="-120"/>
+                <a:cs typeface="Arial"/>
+                <a:sym typeface="Arial"/>
+              </a:rPr>
+              <a:t>向性：</a:t>
             </a:r>
             <a:r>
               <a:rPr lang="en-US" altLang="zh-TW" sz="2100" dirty="0">
@@ -13328,13 +14349,22 @@
           <a:p>
             <a:pPr marL="342900" indent="-342900"/>
             <a:r>
-              <a:rPr lang="zh-TW" altLang="en-US" sz="2100" dirty="0">
+              <a:rPr lang="zh-TW" altLang="en-US" sz="2100" dirty="0" smtClean="0">
                 <a:latin typeface="微軟正黑體" pitchFamily="34" charset="-120"/>
                 <a:ea typeface="微軟正黑體" pitchFamily="34" charset="-120"/>
                 <a:cs typeface="Arial"/>
                 <a:sym typeface="Arial"/>
               </a:rPr>
-              <a:t>使用方法：直接在 </a:t>
+              <a:t>方法</a:t>
+            </a:r>
+            <a:r>
+              <a:rPr lang="zh-TW" altLang="en-US" sz="2100" dirty="0">
+                <a:latin typeface="微軟正黑體" pitchFamily="34" charset="-120"/>
+                <a:ea typeface="微軟正黑體" pitchFamily="34" charset="-120"/>
+                <a:cs typeface="Arial"/>
+                <a:sym typeface="Arial"/>
+              </a:rPr>
+              <a:t>：直接在 </a:t>
             </a:r>
             <a:r>
               <a:rPr lang="en-US" altLang="zh-TW" sz="2100" dirty="0">
@@ -13729,13 +14759,22 @@
           <a:p>
             <a:pPr marL="342900" indent="-342900"/>
             <a:r>
-              <a:rPr lang="zh-TW" altLang="en-US" sz="2100" dirty="0">
+              <a:rPr lang="zh-TW" altLang="en-US" sz="2100" dirty="0" smtClean="0">
                 <a:latin typeface="微軟正黑體" pitchFamily="34" charset="-120"/>
                 <a:ea typeface="微軟正黑體" pitchFamily="34" charset="-120"/>
                 <a:cs typeface="Arial"/>
                 <a:sym typeface="Arial"/>
               </a:rPr>
-              <a:t>使用方法：在 </a:t>
+              <a:t>方法</a:t>
+            </a:r>
+            <a:r>
+              <a:rPr lang="zh-TW" altLang="en-US" sz="2100" dirty="0">
+                <a:latin typeface="微軟正黑體" pitchFamily="34" charset="-120"/>
+                <a:ea typeface="微軟正黑體" pitchFamily="34" charset="-120"/>
+                <a:cs typeface="Arial"/>
+                <a:sym typeface="Arial"/>
+              </a:rPr>
+              <a:t>：在 </a:t>
             </a:r>
             <a:r>
               <a:rPr lang="en-US" altLang="zh-TW" sz="2100" dirty="0">
@@ -14225,13 +15264,22 @@
           <a:p>
             <a:pPr marL="342900" indent="-342900"/>
             <a:r>
-              <a:rPr lang="zh-TW" altLang="en-US" sz="2100" dirty="0">
+              <a:rPr lang="zh-TW" altLang="en-US" sz="2100" dirty="0" smtClean="0">
                 <a:latin typeface="微軟正黑體" pitchFamily="34" charset="-120"/>
                 <a:ea typeface="微軟正黑體" pitchFamily="34" charset="-120"/>
                 <a:cs typeface="Arial"/>
                 <a:sym typeface="Arial"/>
               </a:rPr>
-              <a:t>使用方法：在 </a:t>
+              <a:t>方法</a:t>
+            </a:r>
+            <a:r>
+              <a:rPr lang="zh-TW" altLang="en-US" sz="2100" dirty="0">
+                <a:latin typeface="微軟正黑體" pitchFamily="34" charset="-120"/>
+                <a:ea typeface="微軟正黑體" pitchFamily="34" charset="-120"/>
+                <a:cs typeface="Arial"/>
+                <a:sym typeface="Arial"/>
+              </a:rPr>
+              <a:t>：在 </a:t>
             </a:r>
             <a:r>
               <a:rPr lang="en-US" altLang="zh-TW" sz="2100" dirty="0">
@@ -14737,7 +15785,7 @@
                 <a:cs typeface="Arial"/>
                 <a:sym typeface="Arial"/>
               </a:rPr>
-              <a:t>使用</a:t>
+              <a:t>方法</a:t>
             </a:r>
             <a:r>
               <a:rPr lang="zh-TW" altLang="en-US" sz="1800" dirty="0">
@@ -14746,7 +15794,7 @@
                 <a:cs typeface="Arial"/>
                 <a:sym typeface="Arial"/>
               </a:rPr>
-              <a:t>方法：在 </a:t>
+              <a:t>：在 </a:t>
             </a:r>
             <a:r>
               <a:rPr lang="en-US" altLang="zh-TW" sz="1800" dirty="0">
@@ -15056,6 +16104,39 @@
           <a:xfrm>
             <a:off x="5573078" y="2982278"/>
             <a:ext cx="2524125" cy="657225"/>
+          </a:xfrm>
+          <a:prstGeom prst="rect">
+            <a:avLst/>
+          </a:prstGeom>
+          <a:noFill/>
+          <a:ln w="9525">
+            <a:noFill/>
+            <a:miter lim="800000"/>
+            <a:headEnd/>
+            <a:tailEnd/>
+          </a:ln>
+          <a:effectLst/>
+        </p:spPr>
+      </p:pic>
+      <p:pic>
+        <p:nvPicPr>
+          <p:cNvPr id="2050" name="Picture 2"/>
+          <p:cNvPicPr>
+            <a:picLocks noChangeAspect="1" noChangeArrowheads="1"/>
+          </p:cNvPicPr>
+          <p:nvPr/>
+        </p:nvPicPr>
+        <p:blipFill>
+          <a:blip r:embed="rId6"/>
+          <a:srcRect/>
+          <a:stretch>
+            <a:fillRect/>
+          </a:stretch>
+        </p:blipFill>
+        <p:spPr bwMode="auto">
+          <a:xfrm>
+            <a:off x="4605338" y="2052638"/>
+            <a:ext cx="4067175" cy="295275"/>
           </a:xfrm>
           <a:prstGeom prst="rect">
             <a:avLst/>
